--- a/AWS클라우드 활용 자바 풀스택 개발자(React&Springboot).pptx
+++ b/AWS클라우드 활용 자바 풀스택 개발자(React&Springboot).pptx
@@ -259,7 +259,7 @@
       <p15:sldGuideLst xmlns:p15="http://schemas.microsoft.com/office/powerpoint/2012/main"/>
     </p:ext>
     <p:ext uri="http://customooxmlschemas.google.com/">
-      <go:slidesCustomData xmlns="" xmlns:mc="http://schemas.openxmlformats.org/markup-compatibility/2006" xmlns:mv="urn:schemas-microsoft-com:mac:vml" xmlns:c="http://schemas.openxmlformats.org/drawingml/2006/chart" xmlns:dgm="http://schemas.openxmlformats.org/drawingml/2006/diagram" xmlns:o="urn:schemas-microsoft-com:office:office" xmlns:v="urn:schemas-microsoft-com:vml" xmlns:pvml="urn:schemas-microsoft-com:office:powerpoint" xmlns:com="http://schemas.openxmlformats.org/drawingml/2006/compatibility" xmlns:p14="http://schemas.microsoft.com/office/powerpoint/2010/main" xmlns:p15="http://schemas.microsoft.com/office/powerpoint/2012/main" xmlns:ahyp="http://schemas.microsoft.com/office/drawing/2018/hyperlinkcolor" xmlns:go="http://customooxmlschemas.google.com/" r:id="rId43" roundtripDataSignature="AMtx7mh7jzxwE5M4NO+rCt4jQn+caxhGRg=="/>
+      <go:slidesCustomData xmlns:go="http://customooxmlschemas.google.com/" xmlns:ahyp="http://schemas.microsoft.com/office/drawing/2018/hyperlinkcolor" xmlns:p15="http://schemas.microsoft.com/office/powerpoint/2012/main" xmlns:p14="http://schemas.microsoft.com/office/powerpoint/2010/main" xmlns:com="http://schemas.openxmlformats.org/drawingml/2006/compatibility" xmlns:pvml="urn:schemas-microsoft-com:office:powerpoint" xmlns:v="urn:schemas-microsoft-com:vml" xmlns:o="urn:schemas-microsoft-com:office:office" xmlns:dgm="http://schemas.openxmlformats.org/drawingml/2006/diagram" xmlns:c="http://schemas.openxmlformats.org/drawingml/2006/chart" xmlns:mv="urn:schemas-microsoft-com:mac:vml" xmlns:mc="http://schemas.openxmlformats.org/markup-compatibility/2006" xmlns="" r:id="rId43" roundtripDataSignature="AMtx7mh7jzxwE5M4NO+rCt4jQn+caxhGRg=="/>
     </p:ext>
   </p:extLst>
 </p:presentation>
@@ -1256,6 +1256,14 @@
         </dgm:presLayoutVars>
       </dgm:prSet>
       <dgm:spPr/>
+      <dgm:t>
+        <a:bodyPr/>
+        <a:lstStyle/>
+        <a:p>
+          <a:pPr latinLnBrk="1"/>
+          <a:endParaRPr lang="ko-KR" altLang="en-US"/>
+        </a:p>
+      </dgm:t>
     </dgm:pt>
     <dgm:pt modelId="{C33FF788-BBF7-423B-871A-94DC4316DAAE}" type="pres">
       <dgm:prSet presAssocID="{CBA12116-8423-47CA-A971-C9AF523B83FA}" presName="parTxOnlySpace" presStyleCnt="0"/>
@@ -1270,6 +1278,14 @@
         </dgm:presLayoutVars>
       </dgm:prSet>
       <dgm:spPr/>
+      <dgm:t>
+        <a:bodyPr/>
+        <a:lstStyle/>
+        <a:p>
+          <a:pPr latinLnBrk="1"/>
+          <a:endParaRPr lang="ko-KR" altLang="en-US"/>
+        </a:p>
+      </dgm:t>
     </dgm:pt>
   </dgm:ptLst>
   <dgm:cxnLst>
@@ -20024,6 +20040,30 @@
                 <a:cs typeface="Malgun Gothic"/>
                 <a:sym typeface="Malgun Gothic"/>
               </a:rPr>
+              <a:t>게임</a:t>
+            </a:r>
+            <a:r>
+              <a:rPr lang="en-US" altLang="ko-KR" dirty="0" smtClean="0">
+                <a:solidFill>
+                  <a:schemeClr val="dk1"/>
+                </a:solidFill>
+                <a:latin typeface="Malgun Gothic"/>
+                <a:ea typeface="Malgun Gothic"/>
+                <a:cs typeface="Malgun Gothic"/>
+                <a:sym typeface="Malgun Gothic"/>
+              </a:rPr>
+              <a:t> </a:t>
+            </a:r>
+            <a:r>
+              <a:rPr lang="ko-KR" altLang="en-US" dirty="0" smtClean="0">
+                <a:solidFill>
+                  <a:schemeClr val="dk1"/>
+                </a:solidFill>
+                <a:latin typeface="Malgun Gothic"/>
+                <a:ea typeface="Malgun Gothic"/>
+                <a:cs typeface="Malgun Gothic"/>
+                <a:sym typeface="Malgun Gothic"/>
+              </a:rPr>
               <a:t>플랫폼</a:t>
             </a:r>
             <a:r>
@@ -20060,10 +20100,10 @@
                 <a:cs typeface="Malgun Gothic"/>
                 <a:sym typeface="Malgun Gothic"/>
               </a:rPr>
-              <a:t>, BNB </a:t>
-            </a:r>
-            <a:r>
-              <a:rPr lang="ko-KR" altLang="en-US" dirty="0" smtClean="0">
+              <a:t>, </a:t>
+            </a:r>
+            <a:r>
+              <a:rPr lang="en-US" altLang="ko-KR" smtClean="0">
                 <a:solidFill>
                   <a:schemeClr val="dk1"/>
                 </a:solidFill>
@@ -20072,10 +20112,22 @@
                 <a:cs typeface="Malgun Gothic"/>
                 <a:sym typeface="Malgun Gothic"/>
               </a:rPr>
-              <a:t>체인 </a:t>
-            </a:r>
-            <a:r>
-              <a:rPr lang="ko-KR" altLang="en-US" dirty="0" err="1" smtClean="0">
+              <a:t>BNB </a:t>
+            </a:r>
+            <a:r>
+              <a:rPr lang="en-US" altLang="ko-KR" smtClean="0">
+                <a:solidFill>
+                  <a:schemeClr val="dk1"/>
+                </a:solidFill>
+                <a:latin typeface="Malgun Gothic"/>
+                <a:ea typeface="Malgun Gothic"/>
+                <a:cs typeface="Malgun Gothic"/>
+                <a:sym typeface="Malgun Gothic"/>
+              </a:rPr>
+              <a:t>Chain </a:t>
+            </a:r>
+            <a:r>
+              <a:rPr lang="ko-KR" altLang="en-US" smtClean="0">
                 <a:solidFill>
                   <a:schemeClr val="dk1"/>
                 </a:solidFill>
@@ -22037,19 +22089,7 @@
                 <a:cs typeface="Malgun Gothic"/>
                 <a:sym typeface="Malgun Gothic"/>
               </a:rPr>
-              <a:t>Best </a:t>
-            </a:r>
-            <a:r>
-              <a:rPr lang="en-US" altLang="ko-KR" dirty="0" smtClean="0">
-                <a:solidFill>
-                  <a:schemeClr val="dk1"/>
-                </a:solidFill>
-                <a:latin typeface="Malgun Gothic"/>
-                <a:ea typeface="Malgun Gothic"/>
-                <a:cs typeface="Malgun Gothic"/>
-                <a:sym typeface="Malgun Gothic"/>
-              </a:rPr>
-              <a:t>Jobs In US&gt;</a:t>
+              <a:t>Best Jobs In US&gt;</a:t>
             </a:r>
             <a:endParaRPr lang="ko-KR" altLang="en-US" dirty="0">
               <a:solidFill>
